--- a/Ruby meets Docker.pptx
+++ b/Ruby meets Docker.pptx
@@ -19,23 +19,24 @@
     <p:sldId id="264" r:id="rId13"/>
     <p:sldId id="265" r:id="rId14"/>
     <p:sldId id="266" r:id="rId15"/>
+    <p:sldId id="267" r:id="rId16"/>
   </p:sldIdLst>
   <p:sldSz cy="5143500" cx="9144000"/>
   <p:notesSz cx="6858000" cy="9144000"/>
   <p:embeddedFontLst>
     <p:embeddedFont>
       <p:font typeface="Raleway"/>
-      <p:regular r:id="rId16"/>
-      <p:bold r:id="rId17"/>
-      <p:italic r:id="rId18"/>
-      <p:boldItalic r:id="rId19"/>
+      <p:regular r:id="rId17"/>
+      <p:bold r:id="rId18"/>
+      <p:italic r:id="rId19"/>
+      <p:boldItalic r:id="rId20"/>
     </p:embeddedFont>
     <p:embeddedFont>
       <p:font typeface="Lato"/>
-      <p:regular r:id="rId20"/>
-      <p:bold r:id="rId21"/>
-      <p:italic r:id="rId22"/>
-      <p:boldItalic r:id="rId23"/>
+      <p:regular r:id="rId21"/>
+      <p:bold r:id="rId22"/>
+      <p:italic r:id="rId23"/>
+      <p:boldItalic r:id="rId24"/>
     </p:embeddedFont>
   </p:embeddedFontLst>
   <p:defaultTextStyle>
@@ -798,7 +799,7 @@
   <p:cSld>
     <p:spTree>
       <p:nvGrpSpPr>
-        <p:cNvPr id="137" name="Shape 137"/>
+        <p:cNvPr id="138" name="Shape 138"/>
         <p:cNvGrpSpPr/>
         <p:nvPr/>
       </p:nvGrpSpPr>
@@ -812,7 +813,7 @@
       </p:grpSpPr>
       <p:sp>
         <p:nvSpPr>
-          <p:cNvPr id="138" name="Google Shape;138;g4d76462768_0_132:notes"/>
+          <p:cNvPr id="139" name="Google Shape;139;g4d76462768_0_120:notes"/>
           <p:cNvSpPr/>
           <p:nvPr>
             <p:ph idx="2" type="sldImg"/>
@@ -847,7 +848,7 @@
       </p:sp>
       <p:sp>
         <p:nvSpPr>
-          <p:cNvPr id="139" name="Google Shape;139;g4d76462768_0_132:notes"/>
+          <p:cNvPr id="140" name="Google Shape;140;g4d76462768_0_120:notes"/>
           <p:cNvSpPr txBox="1"/>
           <p:nvPr>
             <p:ph idx="1" type="body"/>
@@ -897,7 +898,7 @@
   <p:cSld>
     <p:spTree>
       <p:nvGrpSpPr>
-        <p:cNvPr id="143" name="Shape 143"/>
+        <p:cNvPr id="144" name="Shape 144"/>
         <p:cNvGrpSpPr/>
         <p:nvPr/>
       </p:nvGrpSpPr>
@@ -911,7 +912,7 @@
       </p:grpSpPr>
       <p:sp>
         <p:nvSpPr>
-          <p:cNvPr id="144" name="Google Shape;144;g4d76462768_0_126:notes"/>
+          <p:cNvPr id="145" name="Google Shape;145;g4d76462768_0_132:notes"/>
           <p:cNvSpPr/>
           <p:nvPr>
             <p:ph idx="2" type="sldImg"/>
@@ -946,7 +947,106 @@
       </p:sp>
       <p:sp>
         <p:nvSpPr>
-          <p:cNvPr id="145" name="Google Shape;145;g4d76462768_0_126:notes"/>
+          <p:cNvPr id="146" name="Google Shape;146;g4d76462768_0_132:notes"/>
+          <p:cNvSpPr txBox="1"/>
+          <p:nvPr>
+            <p:ph idx="1" type="body"/>
+          </p:nvPr>
+        </p:nvSpPr>
+        <p:spPr>
+          <a:xfrm>
+            <a:off x="685800" y="4343400"/>
+            <a:ext cx="5486400" cy="4114800"/>
+          </a:xfrm>
+          <a:prstGeom prst="rect">
+            <a:avLst/>
+          </a:prstGeom>
+        </p:spPr>
+        <p:txBody>
+          <a:bodyPr anchorCtr="0" anchor="t" bIns="91425" lIns="91425" spcFirstLastPara="1" rIns="91425" wrap="square" tIns="91425">
+            <a:noAutofit/>
+          </a:bodyPr>
+          <a:lstStyle/>
+          <a:p>
+            <a:pPr indent="0" lvl="0" marL="0" rtl="0" algn="l">
+              <a:spcBef>
+                <a:spcPts val="0"/>
+              </a:spcBef>
+              <a:spcAft>
+                <a:spcPts val="0"/>
+              </a:spcAft>
+              <a:buNone/>
+            </a:pPr>
+            <a:r>
+              <a:t/>
+            </a:r>
+            <a:endParaRPr/>
+          </a:p>
+        </p:txBody>
+      </p:sp>
+    </p:spTree>
+  </p:cSld>
+  <p:clrMapOvr>
+    <a:masterClrMapping/>
+  </p:clrMapOvr>
+</p:notes>
+</file>
+
+<file path=ppt/notesSlides/notesSlide12.xml><?xml version="1.0" encoding="utf-8"?>
+<p:notes xmlns:a="http://schemas.openxmlformats.org/drawingml/2006/main" xmlns:r="http://schemas.openxmlformats.org/officeDocument/2006/relationships" xmlns:mc="http://schemas.openxmlformats.org/markup-compatibility/2006" xmlns:mv="urn:schemas-microsoft-com:mac:vml" xmlns:p="http://schemas.openxmlformats.org/presentationml/2006/main" xmlns:c="http://schemas.openxmlformats.org/drawingml/2006/chart" xmlns:dgm="http://schemas.openxmlformats.org/drawingml/2006/diagram" xmlns:o="urn:schemas-microsoft-com:office:office" xmlns:v="urn:schemas-microsoft-com:vml" xmlns:pvml="urn:schemas-microsoft-com:office:powerpoint" xmlns:com="http://schemas.openxmlformats.org/drawingml/2006/compatibility" xmlns:p14="http://schemas.microsoft.com/office/powerpoint/2010/main" xmlns:p15="http://schemas.microsoft.com/office/powerpoint/2012/main" showMasterPhAnim="0" showMasterSp="0">
+  <p:cSld>
+    <p:spTree>
+      <p:nvGrpSpPr>
+        <p:cNvPr id="150" name="Shape 150"/>
+        <p:cNvGrpSpPr/>
+        <p:nvPr/>
+      </p:nvGrpSpPr>
+      <p:grpSpPr>
+        <a:xfrm>
+          <a:off x="0" y="0"/>
+          <a:ext cx="0" cy="0"/>
+          <a:chOff x="0" y="0"/>
+          <a:chExt cx="0" cy="0"/>
+        </a:xfrm>
+      </p:grpSpPr>
+      <p:sp>
+        <p:nvSpPr>
+          <p:cNvPr id="151" name="Google Shape;151;g4d76462768_0_126:notes"/>
+          <p:cNvSpPr/>
+          <p:nvPr>
+            <p:ph idx="2" type="sldImg"/>
+          </p:nvPr>
+        </p:nvSpPr>
+        <p:spPr>
+          <a:xfrm>
+            <a:off x="381300" y="685800"/>
+            <a:ext cx="6096000" cy="3429000"/>
+          </a:xfrm>
+          <a:custGeom>
+            <a:rect b="b" l="l" r="r" t="t"/>
+            <a:pathLst>
+              <a:path extrusionOk="0" h="120000" w="120000">
+                <a:moveTo>
+                  <a:pt x="0" y="0"/>
+                </a:moveTo>
+                <a:lnTo>
+                  <a:pt x="120000" y="0"/>
+                </a:lnTo>
+                <a:lnTo>
+                  <a:pt x="120000" y="120000"/>
+                </a:lnTo>
+                <a:lnTo>
+                  <a:pt x="0" y="120000"/>
+                </a:lnTo>
+                <a:close/>
+              </a:path>
+            </a:pathLst>
+          </a:custGeom>
+        </p:spPr>
+      </p:sp>
+      <p:sp>
+        <p:nvSpPr>
+          <p:cNvPr id="152" name="Google Shape;152;g4d76462768_0_126:notes"/>
           <p:cNvSpPr txBox="1"/>
           <p:nvPr>
             <p:ph idx="1" type="body"/>
@@ -1010,7 +1110,7 @@
       </p:grpSpPr>
       <p:sp>
         <p:nvSpPr>
-          <p:cNvPr id="89" name="Google Shape;89;g4d76462768_0_78:notes"/>
+          <p:cNvPr id="89" name="Google Shape;89;g4d76462768_0_143:notes"/>
           <p:cNvSpPr/>
           <p:nvPr>
             <p:ph idx="2" type="sldImg"/>
@@ -1045,7 +1145,7 @@
       </p:sp>
       <p:sp>
         <p:nvSpPr>
-          <p:cNvPr id="90" name="Google Shape;90;g4d76462768_0_78:notes"/>
+          <p:cNvPr id="90" name="Google Shape;90;g4d76462768_0_143:notes"/>
           <p:cNvSpPr txBox="1"/>
           <p:nvPr>
             <p:ph idx="1" type="body"/>
@@ -1095,7 +1195,7 @@
   <p:cSld>
     <p:spTree>
       <p:nvGrpSpPr>
-        <p:cNvPr id="94" name="Shape 94"/>
+        <p:cNvPr id="95" name="Shape 95"/>
         <p:cNvGrpSpPr/>
         <p:nvPr/>
       </p:nvGrpSpPr>
@@ -1109,7 +1209,7 @@
       </p:grpSpPr>
       <p:sp>
         <p:nvSpPr>
-          <p:cNvPr id="95" name="Google Shape;95;g4d76462768_0_90:notes"/>
+          <p:cNvPr id="96" name="Google Shape;96;g4d76462768_0_78:notes"/>
           <p:cNvSpPr/>
           <p:nvPr>
             <p:ph idx="2" type="sldImg"/>
@@ -1144,7 +1244,7 @@
       </p:sp>
       <p:sp>
         <p:nvSpPr>
-          <p:cNvPr id="96" name="Google Shape;96;g4d76462768_0_90:notes"/>
+          <p:cNvPr id="97" name="Google Shape;97;g4d76462768_0_78:notes"/>
           <p:cNvSpPr txBox="1"/>
           <p:nvPr>
             <p:ph idx="1" type="body"/>
@@ -1194,7 +1294,7 @@
   <p:cSld>
     <p:spTree>
       <p:nvGrpSpPr>
-        <p:cNvPr id="100" name="Shape 100"/>
+        <p:cNvPr id="101" name="Shape 101"/>
         <p:cNvGrpSpPr/>
         <p:nvPr/>
       </p:nvGrpSpPr>
@@ -1208,7 +1308,7 @@
       </p:grpSpPr>
       <p:sp>
         <p:nvSpPr>
-          <p:cNvPr id="101" name="Google Shape;101;g4d76462768_0_83:notes"/>
+          <p:cNvPr id="102" name="Google Shape;102;g4d76462768_0_90:notes"/>
           <p:cNvSpPr/>
           <p:nvPr>
             <p:ph idx="2" type="sldImg"/>
@@ -1243,7 +1343,7 @@
       </p:sp>
       <p:sp>
         <p:nvSpPr>
-          <p:cNvPr id="102" name="Google Shape;102;g4d76462768_0_83:notes"/>
+          <p:cNvPr id="103" name="Google Shape;103;g4d76462768_0_90:notes"/>
           <p:cNvSpPr txBox="1"/>
           <p:nvPr>
             <p:ph idx="1" type="body"/>
@@ -1293,7 +1393,7 @@
   <p:cSld>
     <p:spTree>
       <p:nvGrpSpPr>
-        <p:cNvPr id="106" name="Shape 106"/>
+        <p:cNvPr id="107" name="Shape 107"/>
         <p:cNvGrpSpPr/>
         <p:nvPr/>
       </p:nvGrpSpPr>
@@ -1307,7 +1407,7 @@
       </p:grpSpPr>
       <p:sp>
         <p:nvSpPr>
-          <p:cNvPr id="107" name="Google Shape;107;g4d76462768_0_95:notes"/>
+          <p:cNvPr id="108" name="Google Shape;108;g4d76462768_0_83:notes"/>
           <p:cNvSpPr/>
           <p:nvPr>
             <p:ph idx="2" type="sldImg"/>
@@ -1342,7 +1442,7 @@
       </p:sp>
       <p:sp>
         <p:nvSpPr>
-          <p:cNvPr id="108" name="Google Shape;108;g4d76462768_0_95:notes"/>
+          <p:cNvPr id="109" name="Google Shape;109;g4d76462768_0_83:notes"/>
           <p:cNvSpPr txBox="1"/>
           <p:nvPr>
             <p:ph idx="1" type="body"/>
@@ -1392,7 +1492,7 @@
   <p:cSld>
     <p:spTree>
       <p:nvGrpSpPr>
-        <p:cNvPr id="112" name="Shape 112"/>
+        <p:cNvPr id="113" name="Shape 113"/>
         <p:cNvGrpSpPr/>
         <p:nvPr/>
       </p:nvGrpSpPr>
@@ -1406,7 +1506,7 @@
       </p:grpSpPr>
       <p:sp>
         <p:nvSpPr>
-          <p:cNvPr id="113" name="Google Shape;113;g4d76462768_0_101:notes"/>
+          <p:cNvPr id="114" name="Google Shape;114;g4d76462768_0_95:notes"/>
           <p:cNvSpPr/>
           <p:nvPr>
             <p:ph idx="2" type="sldImg"/>
@@ -1441,7 +1541,7 @@
       </p:sp>
       <p:sp>
         <p:nvSpPr>
-          <p:cNvPr id="114" name="Google Shape;114;g4d76462768_0_101:notes"/>
+          <p:cNvPr id="115" name="Google Shape;115;g4d76462768_0_95:notes"/>
           <p:cNvSpPr txBox="1"/>
           <p:nvPr>
             <p:ph idx="1" type="body"/>
@@ -1491,7 +1591,7 @@
   <p:cSld>
     <p:spTree>
       <p:nvGrpSpPr>
-        <p:cNvPr id="118" name="Shape 118"/>
+        <p:cNvPr id="119" name="Shape 119"/>
         <p:cNvGrpSpPr/>
         <p:nvPr/>
       </p:nvGrpSpPr>
@@ -1505,7 +1605,7 @@
       </p:grpSpPr>
       <p:sp>
         <p:nvSpPr>
-          <p:cNvPr id="119" name="Google Shape;119;g4d76462768_0_107:notes"/>
+          <p:cNvPr id="120" name="Google Shape;120;g4d76462768_0_101:notes"/>
           <p:cNvSpPr/>
           <p:nvPr>
             <p:ph idx="2" type="sldImg"/>
@@ -1540,7 +1640,7 @@
       </p:sp>
       <p:sp>
         <p:nvSpPr>
-          <p:cNvPr id="120" name="Google Shape;120;g4d76462768_0_107:notes"/>
+          <p:cNvPr id="121" name="Google Shape;121;g4d76462768_0_101:notes"/>
           <p:cNvSpPr txBox="1"/>
           <p:nvPr>
             <p:ph idx="1" type="body"/>
@@ -1604,7 +1704,7 @@
       </p:grpSpPr>
       <p:sp>
         <p:nvSpPr>
-          <p:cNvPr id="126" name="Google Shape;126;g4d76462768_0_114:notes"/>
+          <p:cNvPr id="126" name="Google Shape;126;g4d76462768_0_107:notes"/>
           <p:cNvSpPr/>
           <p:nvPr>
             <p:ph idx="2" type="sldImg"/>
@@ -1639,7 +1739,7 @@
       </p:sp>
       <p:sp>
         <p:nvSpPr>
-          <p:cNvPr id="127" name="Google Shape;127;g4d76462768_0_114:notes"/>
+          <p:cNvPr id="127" name="Google Shape;127;g4d76462768_0_107:notes"/>
           <p:cNvSpPr txBox="1"/>
           <p:nvPr>
             <p:ph idx="1" type="body"/>
@@ -1689,7 +1789,7 @@
   <p:cSld>
     <p:spTree>
       <p:nvGrpSpPr>
-        <p:cNvPr id="131" name="Shape 131"/>
+        <p:cNvPr id="132" name="Shape 132"/>
         <p:cNvGrpSpPr/>
         <p:nvPr/>
       </p:nvGrpSpPr>
@@ -1703,7 +1803,7 @@
       </p:grpSpPr>
       <p:sp>
         <p:nvSpPr>
-          <p:cNvPr id="132" name="Google Shape;132;g4d76462768_0_120:notes"/>
+          <p:cNvPr id="133" name="Google Shape;133;g4d76462768_0_114:notes"/>
           <p:cNvSpPr/>
           <p:nvPr>
             <p:ph idx="2" type="sldImg"/>
@@ -1738,7 +1838,7 @@
       </p:sp>
       <p:sp>
         <p:nvSpPr>
-          <p:cNvPr id="133" name="Google Shape;133;g4d76462768_0_120:notes"/>
+          <p:cNvPr id="134" name="Google Shape;134;g4d76462768_0_114:notes"/>
           <p:cNvSpPr txBox="1"/>
           <p:nvPr>
             <p:ph idx="1" type="body"/>
@@ -8452,7 +8552,7 @@
   <p:cSld>
     <p:spTree>
       <p:nvGrpSpPr>
-        <p:cNvPr id="140" name="Shape 140"/>
+        <p:cNvPr id="141" name="Shape 141"/>
         <p:cNvGrpSpPr/>
         <p:nvPr/>
       </p:nvGrpSpPr>
@@ -8466,7 +8566,7 @@
       </p:grpSpPr>
       <p:sp>
         <p:nvSpPr>
-          <p:cNvPr id="141" name="Google Shape;141;p22"/>
+          <p:cNvPr id="142" name="Google Shape;142;p22"/>
           <p:cNvSpPr txBox="1"/>
           <p:nvPr>
             <p:ph type="title"/>
@@ -8506,7 +8606,100 @@
       </p:sp>
       <p:pic>
         <p:nvPicPr>
-          <p:cNvPr id="142" name="Google Shape;142;p22"/>
+          <p:cNvPr id="143" name="Google Shape;143;p22"/>
+          <p:cNvPicPr preferRelativeResize="0"/>
+          <p:nvPr/>
+        </p:nvPicPr>
+        <p:blipFill>
+          <a:blip r:embed="rId3">
+            <a:alphaModFix/>
+          </a:blip>
+          <a:stretch>
+            <a:fillRect/>
+          </a:stretch>
+        </p:blipFill>
+        <p:spPr>
+          <a:xfrm>
+            <a:off x="304800" y="2645175"/>
+            <a:ext cx="8839198" cy="1138792"/>
+          </a:xfrm>
+          <a:prstGeom prst="rect">
+            <a:avLst/>
+          </a:prstGeom>
+          <a:noFill/>
+          <a:ln>
+            <a:noFill/>
+          </a:ln>
+        </p:spPr>
+      </p:pic>
+    </p:spTree>
+  </p:cSld>
+  <p:clrMapOvr>
+    <a:masterClrMapping/>
+  </p:clrMapOvr>
+</p:sld>
+</file>
+
+<file path=ppt/slides/slide11.xml><?xml version="1.0" encoding="utf-8"?>
+<p:sld xmlns:a="http://schemas.openxmlformats.org/drawingml/2006/main" xmlns:r="http://schemas.openxmlformats.org/officeDocument/2006/relationships" xmlns:mc="http://schemas.openxmlformats.org/markup-compatibility/2006" xmlns:mv="urn:schemas-microsoft-com:mac:vml" xmlns:p="http://schemas.openxmlformats.org/presentationml/2006/main" xmlns:c="http://schemas.openxmlformats.org/drawingml/2006/chart" xmlns:dgm="http://schemas.openxmlformats.org/drawingml/2006/diagram" xmlns:o="urn:schemas-microsoft-com:office:office" xmlns:v="urn:schemas-microsoft-com:vml" xmlns:pvml="urn:schemas-microsoft-com:office:powerpoint" xmlns:com="http://schemas.openxmlformats.org/drawingml/2006/compatibility" xmlns:p14="http://schemas.microsoft.com/office/powerpoint/2010/main" xmlns:p15="http://schemas.microsoft.com/office/powerpoint/2012/main">
+  <p:cSld>
+    <p:spTree>
+      <p:nvGrpSpPr>
+        <p:cNvPr id="147" name="Shape 147"/>
+        <p:cNvGrpSpPr/>
+        <p:nvPr/>
+      </p:nvGrpSpPr>
+      <p:grpSpPr>
+        <a:xfrm>
+          <a:off x="0" y="0"/>
+          <a:ext cx="0" cy="0"/>
+          <a:chOff x="0" y="0"/>
+          <a:chExt cx="0" cy="0"/>
+        </a:xfrm>
+      </p:grpSpPr>
+      <p:sp>
+        <p:nvSpPr>
+          <p:cNvPr id="148" name="Google Shape;148;p23"/>
+          <p:cNvSpPr txBox="1"/>
+          <p:nvPr>
+            <p:ph type="title"/>
+          </p:nvPr>
+        </p:nvSpPr>
+        <p:spPr>
+          <a:xfrm>
+            <a:off x="729450" y="1318650"/>
+            <a:ext cx="7688700" cy="535200"/>
+          </a:xfrm>
+          <a:prstGeom prst="rect">
+            <a:avLst/>
+          </a:prstGeom>
+        </p:spPr>
+        <p:txBody>
+          <a:bodyPr anchorCtr="0" anchor="t" bIns="91425" lIns="91425" spcFirstLastPara="1" rIns="91425" wrap="square" tIns="91425">
+            <a:noAutofit/>
+          </a:bodyPr>
+          <a:lstStyle/>
+          <a:p>
+            <a:pPr indent="0" lvl="0" marL="0" rtl="0" algn="l">
+              <a:spcBef>
+                <a:spcPts val="0"/>
+              </a:spcBef>
+              <a:spcAft>
+                <a:spcPts val="0"/>
+              </a:spcAft>
+              <a:buNone/>
+            </a:pPr>
+            <a:r>
+              <a:rPr lang="es"/>
+              <a:t>Run it</a:t>
+            </a:r>
+            <a:endParaRPr/>
+          </a:p>
+        </p:txBody>
+      </p:sp>
+      <p:pic>
+        <p:nvPicPr>
+          <p:cNvPr id="149" name="Google Shape;149;p23"/>
           <p:cNvPicPr preferRelativeResize="0"/>
           <p:nvPr/>
         </p:nvPicPr>
@@ -8540,12 +8733,12 @@
 </p:sld>
 </file>
 
-<file path=ppt/slides/slide11.xml><?xml version="1.0" encoding="utf-8"?>
+<file path=ppt/slides/slide12.xml><?xml version="1.0" encoding="utf-8"?>
 <p:sld xmlns:a="http://schemas.openxmlformats.org/drawingml/2006/main" xmlns:r="http://schemas.openxmlformats.org/officeDocument/2006/relationships" xmlns:mc="http://schemas.openxmlformats.org/markup-compatibility/2006" xmlns:mv="urn:schemas-microsoft-com:mac:vml" xmlns:p="http://schemas.openxmlformats.org/presentationml/2006/main" xmlns:c="http://schemas.openxmlformats.org/drawingml/2006/chart" xmlns:dgm="http://schemas.openxmlformats.org/drawingml/2006/diagram" xmlns:o="urn:schemas-microsoft-com:office:office" xmlns:v="urn:schemas-microsoft-com:vml" xmlns:pvml="urn:schemas-microsoft-com:office:powerpoint" xmlns:com="http://schemas.openxmlformats.org/drawingml/2006/compatibility" xmlns:p14="http://schemas.microsoft.com/office/powerpoint/2010/main" xmlns:p15="http://schemas.microsoft.com/office/powerpoint/2012/main">
   <p:cSld>
     <p:spTree>
       <p:nvGrpSpPr>
-        <p:cNvPr id="146" name="Shape 146"/>
+        <p:cNvPr id="153" name="Shape 153"/>
         <p:cNvGrpSpPr/>
         <p:nvPr/>
       </p:nvGrpSpPr>
@@ -8559,7 +8752,7 @@
       </p:grpSpPr>
       <p:sp>
         <p:nvSpPr>
-          <p:cNvPr id="147" name="Google Shape;147;p23"/>
+          <p:cNvPr id="154" name="Google Shape;154;p24"/>
           <p:cNvSpPr txBox="1"/>
           <p:nvPr>
             <p:ph type="title"/>
@@ -8599,7 +8792,7 @@
       </p:sp>
       <p:pic>
         <p:nvPicPr>
-          <p:cNvPr id="148" name="Google Shape;148;p23"/>
+          <p:cNvPr id="155" name="Google Shape;155;p24"/>
           <p:cNvPicPr preferRelativeResize="0"/>
           <p:nvPr/>
         </p:nvPicPr>
@@ -8684,7 +8877,7 @@
             </a:pPr>
             <a:r>
               <a:rPr lang="es"/>
-              <a:t>¿Por qué?</a:t>
+              <a:t>Yo</a:t>
             </a:r>
             <a:endParaRPr/>
           </a:p>
@@ -8713,75 +8906,89 @@
           </a:bodyPr>
           <a:lstStyle/>
           <a:p>
-            <a:pPr indent="-419100" lvl="0" marL="457200" rtl="0" algn="l">
-              <a:spcBef>
-                <a:spcPts val="0"/>
-              </a:spcBef>
-              <a:spcAft>
-                <a:spcPts val="0"/>
-              </a:spcAft>
-              <a:buSzPts val="3000"/>
-              <a:buChar char="●"/>
+            <a:pPr indent="0" lvl="0" marL="0" rtl="0" algn="l">
+              <a:spcBef>
+                <a:spcPts val="0"/>
+              </a:spcBef>
+              <a:spcAft>
+                <a:spcPts val="0"/>
+              </a:spcAft>
+              <a:buNone/>
             </a:pPr>
             <a:r>
-              <a:rPr lang="es" sz="3000"/>
-              <a:t>Todo en un mismo lugar.</a:t>
+              <a:rPr b="1" lang="es" sz="2400"/>
+              <a:t>Gepser Hoil</a:t>
             </a:r>
-            <a:endParaRPr sz="3000"/>
+            <a:endParaRPr b="1" sz="2400"/>
           </a:p>
           <a:p>
-            <a:pPr indent="-419100" lvl="0" marL="457200" rtl="0" algn="l">
-              <a:spcBef>
-                <a:spcPts val="0"/>
-              </a:spcBef>
-              <a:spcAft>
-                <a:spcPts val="0"/>
-              </a:spcAft>
-              <a:buSzPts val="3000"/>
-              <a:buChar char="●"/>
+            <a:pPr indent="0" lvl="0" marL="0" rtl="0" algn="l">
+              <a:spcBef>
+                <a:spcPts val="1600"/>
+              </a:spcBef>
+              <a:spcAft>
+                <a:spcPts val="0"/>
+              </a:spcAft>
+              <a:buNone/>
             </a:pPr>
             <a:r>
-              <a:rPr lang="es" sz="3000"/>
-              <a:t>Portabilidad</a:t>
+              <a:rPr b="1" lang="es" sz="2600" u="sng">
+                <a:solidFill>
+                  <a:schemeClr val="hlink"/>
+                </a:solidFill>
+                <a:latin typeface="Arial"/>
+                <a:ea typeface="Arial"/>
+                <a:cs typeface="Arial"/>
+                <a:sym typeface="Arial"/>
+                <a:hlinkClick r:id="rId3"/>
+              </a:rPr>
+              <a:t>https://twitter.com/gepser</a:t>
             </a:r>
-            <a:endParaRPr sz="3000"/>
+            <a:endParaRPr b="1" sz="2600">
+              <a:solidFill>
+                <a:srgbClr val="1A1A1A"/>
+              </a:solidFill>
+              <a:latin typeface="Arial"/>
+              <a:ea typeface="Arial"/>
+              <a:cs typeface="Arial"/>
+              <a:sym typeface="Arial"/>
+            </a:endParaRPr>
           </a:p>
           <a:p>
-            <a:pPr indent="-419100" lvl="0" marL="457200" rtl="0" algn="l">
-              <a:spcBef>
-                <a:spcPts val="0"/>
-              </a:spcBef>
-              <a:spcAft>
-                <a:spcPts val="0"/>
-              </a:spcAft>
-              <a:buSzPts val="3000"/>
-              <a:buChar char="●"/>
+            <a:pPr indent="0" lvl="0" marL="0" rtl="0" algn="l">
+              <a:spcBef>
+                <a:spcPts val="1600"/>
+              </a:spcBef>
+              <a:spcAft>
+                <a:spcPts val="0"/>
+              </a:spcAft>
+              <a:buNone/>
             </a:pPr>
             <a:r>
-              <a:rPr lang="es" sz="3000"/>
-              <a:t>Claridad en las dependencias externas.</a:t>
+              <a:rPr b="1" lang="es" sz="2600" u="sng">
+                <a:solidFill>
+                  <a:schemeClr val="hlink"/>
+                </a:solidFill>
+                <a:latin typeface="Arial"/>
+                <a:ea typeface="Arial"/>
+                <a:cs typeface="Arial"/>
+                <a:sym typeface="Arial"/>
+                <a:hlinkClick r:id="rId4"/>
+              </a:rPr>
+              <a:t>https://github.com/gepser</a:t>
             </a:r>
-            <a:endParaRPr sz="3000"/>
+            <a:endParaRPr b="1" sz="2600">
+              <a:solidFill>
+                <a:srgbClr val="1A1A1A"/>
+              </a:solidFill>
+              <a:latin typeface="Arial"/>
+              <a:ea typeface="Arial"/>
+              <a:cs typeface="Arial"/>
+              <a:sym typeface="Arial"/>
+            </a:endParaRPr>
           </a:p>
           <a:p>
-            <a:pPr indent="-419100" lvl="0" marL="457200" rtl="0" algn="l">
-              <a:spcBef>
-                <a:spcPts val="0"/>
-              </a:spcBef>
-              <a:spcAft>
-                <a:spcPts val="0"/>
-              </a:spcAft>
-              <a:buSzPts val="3000"/>
-              <a:buChar char="●"/>
-            </a:pPr>
-            <a:r>
-              <a:rPr lang="es" sz="3000"/>
-              <a:t>Ambiente como código.</a:t>
-            </a:r>
-            <a:endParaRPr sz="3000"/>
-          </a:p>
-          <a:p>
-            <a:pPr indent="0" lvl="0" marL="457200" rtl="0" algn="l">
+            <a:pPr indent="0" lvl="0" marL="0" rtl="0" algn="l">
               <a:spcBef>
                 <a:spcPts val="1600"/>
               </a:spcBef>
@@ -8793,10 +9000,46 @@
             <a:r>
               <a:t/>
             </a:r>
-            <a:endParaRPr sz="3000"/>
+            <a:endParaRPr b="1" sz="2600">
+              <a:solidFill>
+                <a:srgbClr val="1A1A1A"/>
+              </a:solidFill>
+              <a:latin typeface="Arial"/>
+              <a:ea typeface="Arial"/>
+              <a:cs typeface="Arial"/>
+              <a:sym typeface="Arial"/>
+            </a:endParaRPr>
           </a:p>
         </p:txBody>
       </p:sp>
+      <p:pic>
+        <p:nvPicPr>
+          <p:cNvPr id="94" name="Google Shape;94;p14"/>
+          <p:cNvPicPr preferRelativeResize="0"/>
+          <p:nvPr/>
+        </p:nvPicPr>
+        <p:blipFill>
+          <a:blip r:embed="rId5">
+            <a:alphaModFix/>
+          </a:blip>
+          <a:stretch>
+            <a:fillRect/>
+          </a:stretch>
+        </p:blipFill>
+        <p:spPr>
+          <a:xfrm>
+            <a:off x="6505675" y="957723"/>
+            <a:ext cx="2373050" cy="632501"/>
+          </a:xfrm>
+          <a:prstGeom prst="rect">
+            <a:avLst/>
+          </a:prstGeom>
+          <a:noFill/>
+          <a:ln>
+            <a:noFill/>
+          </a:ln>
+        </p:spPr>
+      </p:pic>
     </p:spTree>
   </p:cSld>
   <p:clrMapOvr>
@@ -8810,7 +9053,7 @@
   <p:cSld>
     <p:spTree>
       <p:nvGrpSpPr>
-        <p:cNvPr id="97" name="Shape 97"/>
+        <p:cNvPr id="98" name="Shape 98"/>
         <p:cNvGrpSpPr/>
         <p:nvPr/>
       </p:nvGrpSpPr>
@@ -8824,7 +9067,7 @@
       </p:grpSpPr>
       <p:sp>
         <p:nvSpPr>
-          <p:cNvPr id="98" name="Google Shape;98;p15"/>
+          <p:cNvPr id="99" name="Google Shape;99;p15"/>
           <p:cNvSpPr txBox="1"/>
           <p:nvPr>
             <p:ph type="title"/>
@@ -8856,7 +9099,7 @@
             </a:pPr>
             <a:r>
               <a:rPr lang="es"/>
-              <a:t>Pero lo más importante</a:t>
+              <a:t>¿Por qué?</a:t>
             </a:r>
             <a:endParaRPr/>
           </a:p>
@@ -8864,7 +9107,7 @@
       </p:sp>
       <p:sp>
         <p:nvSpPr>
-          <p:cNvPr id="99" name="Google Shape;99;p15"/>
+          <p:cNvPr id="100" name="Google Shape;100;p15"/>
           <p:cNvSpPr txBox="1"/>
           <p:nvPr>
             <p:ph idx="1" type="body"/>
@@ -8897,7 +9140,7 @@
             </a:pPr>
             <a:r>
               <a:rPr lang="es" sz="3000"/>
-              <a:t>Costo beneficio.</a:t>
+              <a:t>Todo en un mismo lugar.</a:t>
             </a:r>
             <a:endParaRPr sz="3000"/>
           </a:p>
@@ -8914,7 +9157,56 @@
             </a:pPr>
             <a:r>
               <a:rPr lang="es" sz="3000"/>
-              <a:t>Todo lo que podemos hacer con un app dockerizada para escalar.</a:t>
+              <a:t>Portabilidad</a:t>
+            </a:r>
+            <a:endParaRPr sz="3000"/>
+          </a:p>
+          <a:p>
+            <a:pPr indent="-419100" lvl="0" marL="457200" rtl="0" algn="l">
+              <a:spcBef>
+                <a:spcPts val="0"/>
+              </a:spcBef>
+              <a:spcAft>
+                <a:spcPts val="0"/>
+              </a:spcAft>
+              <a:buSzPts val="3000"/>
+              <a:buChar char="●"/>
+            </a:pPr>
+            <a:r>
+              <a:rPr lang="es" sz="3000"/>
+              <a:t>Claridad en las dependencias externas.</a:t>
+            </a:r>
+            <a:endParaRPr sz="3000"/>
+          </a:p>
+          <a:p>
+            <a:pPr indent="-419100" lvl="0" marL="457200" rtl="0" algn="l">
+              <a:spcBef>
+                <a:spcPts val="0"/>
+              </a:spcBef>
+              <a:spcAft>
+                <a:spcPts val="0"/>
+              </a:spcAft>
+              <a:buSzPts val="3000"/>
+              <a:buChar char="●"/>
+            </a:pPr>
+            <a:r>
+              <a:rPr lang="es" sz="3000"/>
+              <a:t>Ambiente como código.</a:t>
+            </a:r>
+            <a:endParaRPr sz="3000"/>
+          </a:p>
+          <a:p>
+            <a:pPr indent="0" lvl="0" marL="457200" rtl="0" algn="l">
+              <a:spcBef>
+                <a:spcPts val="1600"/>
+              </a:spcBef>
+              <a:spcAft>
+                <a:spcPts val="1600"/>
+              </a:spcAft>
+              <a:buNone/>
+            </a:pPr>
+            <a:r>
+              <a:t/>
             </a:r>
             <a:endParaRPr sz="3000"/>
           </a:p>
@@ -8933,7 +9225,7 @@
   <p:cSld>
     <p:spTree>
       <p:nvGrpSpPr>
-        <p:cNvPr id="103" name="Shape 103"/>
+        <p:cNvPr id="104" name="Shape 104"/>
         <p:cNvGrpSpPr/>
         <p:nvPr/>
       </p:nvGrpSpPr>
@@ -8947,7 +9239,7 @@
       </p:grpSpPr>
       <p:sp>
         <p:nvSpPr>
-          <p:cNvPr id="104" name="Google Shape;104;p16"/>
+          <p:cNvPr id="105" name="Google Shape;105;p16"/>
           <p:cNvSpPr txBox="1"/>
           <p:nvPr>
             <p:ph type="title"/>
@@ -8979,6 +9271,129 @@
             </a:pPr>
             <a:r>
               <a:rPr lang="es"/>
+              <a:t>Pero lo más importante</a:t>
+            </a:r>
+            <a:endParaRPr/>
+          </a:p>
+        </p:txBody>
+      </p:sp>
+      <p:sp>
+        <p:nvSpPr>
+          <p:cNvPr id="106" name="Google Shape;106;p16"/>
+          <p:cNvSpPr txBox="1"/>
+          <p:nvPr>
+            <p:ph idx="1" type="body"/>
+          </p:nvPr>
+        </p:nvSpPr>
+        <p:spPr>
+          <a:xfrm>
+            <a:off x="729450" y="2078875"/>
+            <a:ext cx="7688700" cy="2261100"/>
+          </a:xfrm>
+          <a:prstGeom prst="rect">
+            <a:avLst/>
+          </a:prstGeom>
+        </p:spPr>
+        <p:txBody>
+          <a:bodyPr anchorCtr="0" anchor="t" bIns="91425" lIns="91425" spcFirstLastPara="1" rIns="91425" wrap="square" tIns="91425">
+            <a:noAutofit/>
+          </a:bodyPr>
+          <a:lstStyle/>
+          <a:p>
+            <a:pPr indent="-419100" lvl="0" marL="457200" rtl="0" algn="l">
+              <a:spcBef>
+                <a:spcPts val="0"/>
+              </a:spcBef>
+              <a:spcAft>
+                <a:spcPts val="0"/>
+              </a:spcAft>
+              <a:buSzPts val="3000"/>
+              <a:buChar char="●"/>
+            </a:pPr>
+            <a:r>
+              <a:rPr lang="es" sz="3000"/>
+              <a:t>Costo beneficio.</a:t>
+            </a:r>
+            <a:endParaRPr sz="3000"/>
+          </a:p>
+          <a:p>
+            <a:pPr indent="-419100" lvl="0" marL="457200" rtl="0" algn="l">
+              <a:spcBef>
+                <a:spcPts val="0"/>
+              </a:spcBef>
+              <a:spcAft>
+                <a:spcPts val="0"/>
+              </a:spcAft>
+              <a:buSzPts val="3000"/>
+              <a:buChar char="●"/>
+            </a:pPr>
+            <a:r>
+              <a:rPr lang="es" sz="3000"/>
+              <a:t>Todo lo que podemos hacer con un app dockerizada para escalar.</a:t>
+            </a:r>
+            <a:endParaRPr sz="3000"/>
+          </a:p>
+        </p:txBody>
+      </p:sp>
+    </p:spTree>
+  </p:cSld>
+  <p:clrMapOvr>
+    <a:masterClrMapping/>
+  </p:clrMapOvr>
+</p:sld>
+</file>
+
+<file path=ppt/slides/slide5.xml><?xml version="1.0" encoding="utf-8"?>
+<p:sld xmlns:a="http://schemas.openxmlformats.org/drawingml/2006/main" xmlns:r="http://schemas.openxmlformats.org/officeDocument/2006/relationships" xmlns:mc="http://schemas.openxmlformats.org/markup-compatibility/2006" xmlns:mv="urn:schemas-microsoft-com:mac:vml" xmlns:p="http://schemas.openxmlformats.org/presentationml/2006/main" xmlns:c="http://schemas.openxmlformats.org/drawingml/2006/chart" xmlns:dgm="http://schemas.openxmlformats.org/drawingml/2006/diagram" xmlns:o="urn:schemas-microsoft-com:office:office" xmlns:v="urn:schemas-microsoft-com:vml" xmlns:pvml="urn:schemas-microsoft-com:office:powerpoint" xmlns:com="http://schemas.openxmlformats.org/drawingml/2006/compatibility" xmlns:p14="http://schemas.microsoft.com/office/powerpoint/2010/main" xmlns:p15="http://schemas.microsoft.com/office/powerpoint/2012/main">
+  <p:cSld>
+    <p:spTree>
+      <p:nvGrpSpPr>
+        <p:cNvPr id="110" name="Shape 110"/>
+        <p:cNvGrpSpPr/>
+        <p:nvPr/>
+      </p:nvGrpSpPr>
+      <p:grpSpPr>
+        <a:xfrm>
+          <a:off x="0" y="0"/>
+          <a:ext cx="0" cy="0"/>
+          <a:chOff x="0" y="0"/>
+          <a:chExt cx="0" cy="0"/>
+        </a:xfrm>
+      </p:grpSpPr>
+      <p:sp>
+        <p:nvSpPr>
+          <p:cNvPr id="111" name="Google Shape;111;p17"/>
+          <p:cNvSpPr txBox="1"/>
+          <p:nvPr>
+            <p:ph type="title"/>
+          </p:nvPr>
+        </p:nvSpPr>
+        <p:spPr>
+          <a:xfrm>
+            <a:off x="729450" y="1318650"/>
+            <a:ext cx="7688700" cy="535200"/>
+          </a:xfrm>
+          <a:prstGeom prst="rect">
+            <a:avLst/>
+          </a:prstGeom>
+        </p:spPr>
+        <p:txBody>
+          <a:bodyPr anchorCtr="0" anchor="t" bIns="91425" lIns="91425" spcFirstLastPara="1" rIns="91425" wrap="square" tIns="91425">
+            <a:noAutofit/>
+          </a:bodyPr>
+          <a:lstStyle/>
+          <a:p>
+            <a:pPr indent="0" lvl="0" marL="0" rtl="0" algn="l">
+              <a:spcBef>
+                <a:spcPts val="0"/>
+              </a:spcBef>
+              <a:spcAft>
+                <a:spcPts val="0"/>
+              </a:spcAft>
+              <a:buNone/>
+            </a:pPr>
+            <a:r>
+              <a:rPr lang="es"/>
               <a:t>Costo estimado en Heroku</a:t>
             </a:r>
             <a:endParaRPr/>
@@ -8987,7 +9402,7 @@
       </p:sp>
       <p:pic>
         <p:nvPicPr>
-          <p:cNvPr id="105" name="Google Shape;105;p16"/>
+          <p:cNvPr id="112" name="Google Shape;112;p17"/>
           <p:cNvPicPr preferRelativeResize="0"/>
           <p:nvPr/>
         </p:nvPicPr>
@@ -9021,12 +9436,12 @@
 </p:sld>
 </file>
 
-<file path=ppt/slides/slide5.xml><?xml version="1.0" encoding="utf-8"?>
+<file path=ppt/slides/slide6.xml><?xml version="1.0" encoding="utf-8"?>
 <p:sld xmlns:a="http://schemas.openxmlformats.org/drawingml/2006/main" xmlns:r="http://schemas.openxmlformats.org/officeDocument/2006/relationships" xmlns:mc="http://schemas.openxmlformats.org/markup-compatibility/2006" xmlns:mv="urn:schemas-microsoft-com:mac:vml" xmlns:p="http://schemas.openxmlformats.org/presentationml/2006/main" xmlns:c="http://schemas.openxmlformats.org/drawingml/2006/chart" xmlns:dgm="http://schemas.openxmlformats.org/drawingml/2006/diagram" xmlns:o="urn:schemas-microsoft-com:office:office" xmlns:v="urn:schemas-microsoft-com:vml" xmlns:pvml="urn:schemas-microsoft-com:office:powerpoint" xmlns:com="http://schemas.openxmlformats.org/drawingml/2006/compatibility" xmlns:p14="http://schemas.microsoft.com/office/powerpoint/2010/main" xmlns:p15="http://schemas.microsoft.com/office/powerpoint/2012/main">
   <p:cSld>
     <p:spTree>
       <p:nvGrpSpPr>
-        <p:cNvPr id="109" name="Shape 109"/>
+        <p:cNvPr id="116" name="Shape 116"/>
         <p:cNvGrpSpPr/>
         <p:nvPr/>
       </p:nvGrpSpPr>
@@ -9040,7 +9455,7 @@
       </p:grpSpPr>
       <p:sp>
         <p:nvSpPr>
-          <p:cNvPr id="110" name="Google Shape;110;p17"/>
+          <p:cNvPr id="117" name="Google Shape;117;p18"/>
           <p:cNvSpPr txBox="1"/>
           <p:nvPr>
             <p:ph type="title"/>
@@ -9080,7 +9495,7 @@
       </p:sp>
       <p:pic>
         <p:nvPicPr>
-          <p:cNvPr id="111" name="Google Shape;111;p17"/>
+          <p:cNvPr id="118" name="Google Shape;118;p18"/>
           <p:cNvPicPr preferRelativeResize="0"/>
           <p:nvPr/>
         </p:nvPicPr>
@@ -9114,12 +9529,12 @@
 </p:sld>
 </file>
 
-<file path=ppt/slides/slide6.xml><?xml version="1.0" encoding="utf-8"?>
+<file path=ppt/slides/slide7.xml><?xml version="1.0" encoding="utf-8"?>
 <p:sld xmlns:a="http://schemas.openxmlformats.org/drawingml/2006/main" xmlns:r="http://schemas.openxmlformats.org/officeDocument/2006/relationships" xmlns:mc="http://schemas.openxmlformats.org/markup-compatibility/2006" xmlns:mv="urn:schemas-microsoft-com:mac:vml" xmlns:p="http://schemas.openxmlformats.org/presentationml/2006/main" xmlns:c="http://schemas.openxmlformats.org/drawingml/2006/chart" xmlns:dgm="http://schemas.openxmlformats.org/drawingml/2006/diagram" xmlns:o="urn:schemas-microsoft-com:office:office" xmlns:v="urn:schemas-microsoft-com:vml" xmlns:pvml="urn:schemas-microsoft-com:office:powerpoint" xmlns:com="http://schemas.openxmlformats.org/drawingml/2006/compatibility" xmlns:p14="http://schemas.microsoft.com/office/powerpoint/2010/main" xmlns:p15="http://schemas.microsoft.com/office/powerpoint/2012/main">
   <p:cSld>
     <p:spTree>
       <p:nvGrpSpPr>
-        <p:cNvPr id="115" name="Shape 115"/>
+        <p:cNvPr id="122" name="Shape 122"/>
         <p:cNvGrpSpPr/>
         <p:nvPr/>
       </p:nvGrpSpPr>
@@ -9133,7 +9548,7 @@
       </p:grpSpPr>
       <p:sp>
         <p:nvSpPr>
-          <p:cNvPr id="116" name="Google Shape;116;p18"/>
+          <p:cNvPr id="123" name="Google Shape;123;p19"/>
           <p:cNvSpPr txBox="1"/>
           <p:nvPr>
             <p:ph type="title"/>
@@ -9173,7 +9588,7 @@
       </p:sp>
       <p:pic>
         <p:nvPicPr>
-          <p:cNvPr id="117" name="Google Shape;117;p18"/>
+          <p:cNvPr id="124" name="Google Shape;124;p19"/>
           <p:cNvPicPr preferRelativeResize="0"/>
           <p:nvPr/>
         </p:nvPicPr>
@@ -9199,146 +9614,6 @@
           </a:ln>
         </p:spPr>
       </p:pic>
-    </p:spTree>
-  </p:cSld>
-  <p:clrMapOvr>
-    <a:masterClrMapping/>
-  </p:clrMapOvr>
-</p:sld>
-</file>
-
-<file path=ppt/slides/slide7.xml><?xml version="1.0" encoding="utf-8"?>
-<p:sld xmlns:a="http://schemas.openxmlformats.org/drawingml/2006/main" xmlns:r="http://schemas.openxmlformats.org/officeDocument/2006/relationships" xmlns:mc="http://schemas.openxmlformats.org/markup-compatibility/2006" xmlns:mv="urn:schemas-microsoft-com:mac:vml" xmlns:p="http://schemas.openxmlformats.org/presentationml/2006/main" xmlns:c="http://schemas.openxmlformats.org/drawingml/2006/chart" xmlns:dgm="http://schemas.openxmlformats.org/drawingml/2006/diagram" xmlns:o="urn:schemas-microsoft-com:office:office" xmlns:v="urn:schemas-microsoft-com:vml" xmlns:pvml="urn:schemas-microsoft-com:office:powerpoint" xmlns:com="http://schemas.openxmlformats.org/drawingml/2006/compatibility" xmlns:p14="http://schemas.microsoft.com/office/powerpoint/2010/main" xmlns:p15="http://schemas.microsoft.com/office/powerpoint/2012/main">
-  <p:cSld>
-    <p:spTree>
-      <p:nvGrpSpPr>
-        <p:cNvPr id="121" name="Shape 121"/>
-        <p:cNvGrpSpPr/>
-        <p:nvPr/>
-      </p:nvGrpSpPr>
-      <p:grpSpPr>
-        <a:xfrm>
-          <a:off x="0" y="0"/>
-          <a:ext cx="0" cy="0"/>
-          <a:chOff x="0" y="0"/>
-          <a:chExt cx="0" cy="0"/>
-        </a:xfrm>
-      </p:grpSpPr>
-      <p:sp>
-        <p:nvSpPr>
-          <p:cNvPr id="122" name="Google Shape;122;p19"/>
-          <p:cNvSpPr txBox="1"/>
-          <p:nvPr>
-            <p:ph type="title"/>
-          </p:nvPr>
-        </p:nvSpPr>
-        <p:spPr>
-          <a:xfrm>
-            <a:off x="729450" y="1318650"/>
-            <a:ext cx="7688700" cy="535200"/>
-          </a:xfrm>
-          <a:prstGeom prst="rect">
-            <a:avLst/>
-          </a:prstGeom>
-        </p:spPr>
-        <p:txBody>
-          <a:bodyPr anchorCtr="0" anchor="t" bIns="91425" lIns="91425" spcFirstLastPara="1" rIns="91425" wrap="square" tIns="91425">
-            <a:noAutofit/>
-          </a:bodyPr>
-          <a:lstStyle/>
-          <a:p>
-            <a:pPr indent="0" lvl="0" marL="0" rtl="0" algn="l">
-              <a:spcBef>
-                <a:spcPts val="0"/>
-              </a:spcBef>
-              <a:spcAft>
-                <a:spcPts val="0"/>
-              </a:spcAft>
-              <a:buNone/>
-            </a:pPr>
-            <a:r>
-              <a:rPr lang="es"/>
-              <a:t>Dependencias</a:t>
-            </a:r>
-            <a:endParaRPr/>
-          </a:p>
-        </p:txBody>
-      </p:sp>
-      <p:pic>
-        <p:nvPicPr>
-          <p:cNvPr id="123" name="Google Shape;123;p19"/>
-          <p:cNvPicPr preferRelativeResize="0"/>
-          <p:nvPr/>
-        </p:nvPicPr>
-        <p:blipFill>
-          <a:blip r:embed="rId3">
-            <a:alphaModFix/>
-          </a:blip>
-          <a:stretch>
-            <a:fillRect/>
-          </a:stretch>
-        </p:blipFill>
-        <p:spPr>
-          <a:xfrm>
-            <a:off x="709200" y="2016725"/>
-            <a:ext cx="7729192" cy="2984851"/>
-          </a:xfrm>
-          <a:prstGeom prst="rect">
-            <a:avLst/>
-          </a:prstGeom>
-          <a:noFill/>
-          <a:ln>
-            <a:noFill/>
-          </a:ln>
-        </p:spPr>
-      </p:pic>
-      <p:sp>
-        <p:nvSpPr>
-          <p:cNvPr id="124" name="Google Shape;124;p19"/>
-          <p:cNvSpPr/>
-          <p:nvPr/>
-        </p:nvSpPr>
-        <p:spPr>
-          <a:xfrm>
-            <a:off x="691300" y="2073900"/>
-            <a:ext cx="4870500" cy="1016100"/>
-          </a:xfrm>
-          <a:prstGeom prst="rect">
-            <a:avLst/>
-          </a:prstGeom>
-          <a:noFill/>
-          <a:ln cap="flat" cmpd="sng" w="38100">
-            <a:solidFill>
-              <a:schemeClr val="dk2"/>
-            </a:solidFill>
-            <a:prstDash val="solid"/>
-            <a:round/>
-            <a:headEnd len="sm" w="sm" type="none"/>
-            <a:tailEnd len="sm" w="sm" type="none"/>
-          </a:ln>
-        </p:spPr>
-        <p:txBody>
-          <a:bodyPr anchorCtr="0" anchor="ctr" bIns="91425" lIns="91425" spcFirstLastPara="1" rIns="91425" wrap="square" tIns="91425">
-            <a:noAutofit/>
-          </a:bodyPr>
-          <a:lstStyle/>
-          <a:p>
-            <a:pPr indent="0" lvl="0" marL="0" rtl="0" algn="l">
-              <a:spcBef>
-                <a:spcPts val="0"/>
-              </a:spcBef>
-              <a:spcAft>
-                <a:spcPts val="0"/>
-              </a:spcAft>
-              <a:buNone/>
-            </a:pPr>
-            <a:r>
-              <a:t/>
-            </a:r>
-            <a:endParaRPr/>
-          </a:p>
-        </p:txBody>
-      </p:sp>
     </p:spTree>
   </p:cSld>
   <p:clrMapOvr>
@@ -9398,7 +9673,7 @@
             </a:pPr>
             <a:r>
               <a:rPr lang="es"/>
-              <a:t>Bundle install</a:t>
+              <a:t>Dependencias</a:t>
             </a:r>
             <a:endParaRPr/>
           </a:p>
@@ -9420,8 +9695,8 @@
         </p:blipFill>
         <p:spPr>
           <a:xfrm>
-            <a:off x="3057525" y="2666125"/>
-            <a:ext cx="3028950" cy="1066800"/>
+            <a:off x="709200" y="2016725"/>
+            <a:ext cx="7729192" cy="2984851"/>
           </a:xfrm>
           <a:prstGeom prst="rect">
             <a:avLst/>
@@ -9432,6 +9707,53 @@
           </a:ln>
         </p:spPr>
       </p:pic>
+      <p:sp>
+        <p:nvSpPr>
+          <p:cNvPr id="131" name="Google Shape;131;p20"/>
+          <p:cNvSpPr/>
+          <p:nvPr/>
+        </p:nvSpPr>
+        <p:spPr>
+          <a:xfrm>
+            <a:off x="691300" y="2073900"/>
+            <a:ext cx="4870500" cy="1016100"/>
+          </a:xfrm>
+          <a:prstGeom prst="rect">
+            <a:avLst/>
+          </a:prstGeom>
+          <a:noFill/>
+          <a:ln cap="flat" cmpd="sng" w="38100">
+            <a:solidFill>
+              <a:schemeClr val="dk2"/>
+            </a:solidFill>
+            <a:prstDash val="solid"/>
+            <a:round/>
+            <a:headEnd len="sm" w="sm" type="none"/>
+            <a:tailEnd len="sm" w="sm" type="none"/>
+          </a:ln>
+        </p:spPr>
+        <p:txBody>
+          <a:bodyPr anchorCtr="0" anchor="ctr" bIns="91425" lIns="91425" spcFirstLastPara="1" rIns="91425" wrap="square" tIns="91425">
+            <a:noAutofit/>
+          </a:bodyPr>
+          <a:lstStyle/>
+          <a:p>
+            <a:pPr indent="0" lvl="0" marL="0" rtl="0" algn="l">
+              <a:spcBef>
+                <a:spcPts val="0"/>
+              </a:spcBef>
+              <a:spcAft>
+                <a:spcPts val="0"/>
+              </a:spcAft>
+              <a:buNone/>
+            </a:pPr>
+            <a:r>
+              <a:t/>
+            </a:r>
+            <a:endParaRPr/>
+          </a:p>
+        </p:txBody>
+      </p:sp>
     </p:spTree>
   </p:cSld>
   <p:clrMapOvr>
@@ -9445,7 +9767,7 @@
   <p:cSld>
     <p:spTree>
       <p:nvGrpSpPr>
-        <p:cNvPr id="134" name="Shape 134"/>
+        <p:cNvPr id="135" name="Shape 135"/>
         <p:cNvGrpSpPr/>
         <p:nvPr/>
       </p:nvGrpSpPr>
@@ -9459,7 +9781,7 @@
       </p:grpSpPr>
       <p:sp>
         <p:nvSpPr>
-          <p:cNvPr id="135" name="Google Shape;135;p21"/>
+          <p:cNvPr id="136" name="Google Shape;136;p21"/>
           <p:cNvSpPr txBox="1"/>
           <p:nvPr>
             <p:ph type="title"/>
@@ -9491,7 +9813,7 @@
             </a:pPr>
             <a:r>
               <a:rPr lang="es"/>
-              <a:t>Run it</a:t>
+              <a:t>Bundle install</a:t>
             </a:r>
             <a:endParaRPr/>
           </a:p>
@@ -9499,7 +9821,7 @@
       </p:sp>
       <p:pic>
         <p:nvPicPr>
-          <p:cNvPr id="136" name="Google Shape;136;p21"/>
+          <p:cNvPr id="137" name="Google Shape;137;p21"/>
           <p:cNvPicPr preferRelativeResize="0"/>
           <p:nvPr/>
         </p:nvPicPr>
@@ -9513,8 +9835,8 @@
         </p:blipFill>
         <p:spPr>
           <a:xfrm>
-            <a:off x="304800" y="2645175"/>
-            <a:ext cx="8839198" cy="1138792"/>
+            <a:off x="3057525" y="2666125"/>
+            <a:ext cx="3028950" cy="1066800"/>
           </a:xfrm>
           <a:prstGeom prst="rect">
             <a:avLst/>
